--- a/slides/1. Planning_Organization.pptx
+++ b/slides/1. Planning_Organization.pptx
@@ -210,7 +210,7 @@
           <a:p>
             <a:fld id="{1B6E2612-5213-4B6B-99A8-BAC5DC9C4481}" type="datetimeFigureOut">
               <a:rPr lang="en-US" smtClean="0"/>
-              <a:t>11/2/2021</a:t>
+              <a:t>11/8/2021</a:t>
             </a:fld>
             <a:endParaRPr lang="en-US"/>
           </a:p>
@@ -2561,7 +2561,7 @@
           <a:p>
             <a:fld id="{4DDB5538-DA78-4C2C-BF6B-9485BBAF1D80}" type="datetimeFigureOut">
               <a:rPr lang="en-US" smtClean="0"/>
-              <a:t>11/2/2021</a:t>
+              <a:t>11/8/2021</a:t>
             </a:fld>
             <a:endParaRPr lang="en-US"/>
           </a:p>
@@ -2850,7 +2850,7 @@
           <a:p>
             <a:fld id="{4DDB5538-DA78-4C2C-BF6B-9485BBAF1D80}" type="datetimeFigureOut">
               <a:rPr lang="en-US" smtClean="0"/>
-              <a:t>11/2/2021</a:t>
+              <a:t>11/8/2021</a:t>
             </a:fld>
             <a:endParaRPr lang="en-US"/>
           </a:p>
@@ -3139,7 +3139,7 @@
           <a:p>
             <a:fld id="{4DDB5538-DA78-4C2C-BF6B-9485BBAF1D80}" type="datetimeFigureOut">
               <a:rPr lang="en-US" smtClean="0"/>
-              <a:t>11/2/2021</a:t>
+              <a:t>11/8/2021</a:t>
             </a:fld>
             <a:endParaRPr lang="en-US"/>
           </a:p>
@@ -3428,7 +3428,7 @@
           <a:p>
             <a:fld id="{4DDB5538-DA78-4C2C-BF6B-9485BBAF1D80}" type="datetimeFigureOut">
               <a:rPr lang="en-US" smtClean="0"/>
-              <a:t>11/2/2021</a:t>
+              <a:t>11/8/2021</a:t>
             </a:fld>
             <a:endParaRPr lang="en-US"/>
           </a:p>
@@ -3665,7 +3665,7 @@
           <a:p>
             <a:fld id="{4DDB5538-DA78-4C2C-BF6B-9485BBAF1D80}" type="datetimeFigureOut">
               <a:rPr lang="en-US" smtClean="0"/>
-              <a:t>11/2/2021</a:t>
+              <a:t>11/8/2021</a:t>
             </a:fld>
             <a:endParaRPr lang="en-US"/>
           </a:p>
@@ -4122,7 +4122,7 @@
           <a:p>
             <a:fld id="{4DDB5538-DA78-4C2C-BF6B-9485BBAF1D80}" type="datetimeFigureOut">
               <a:rPr lang="en-US" smtClean="0"/>
-              <a:t>11/2/2021</a:t>
+              <a:t>11/8/2021</a:t>
             </a:fld>
             <a:endParaRPr lang="en-US"/>
           </a:p>
@@ -4313,7 +4313,7 @@
           <a:p>
             <a:fld id="{4DDB5538-DA78-4C2C-BF6B-9485BBAF1D80}" type="datetimeFigureOut">
               <a:rPr lang="en-US" smtClean="0"/>
-              <a:t>11/2/2021</a:t>
+              <a:t>11/8/2021</a:t>
             </a:fld>
             <a:endParaRPr lang="en-US"/>
           </a:p>
@@ -6686,7 +6686,7 @@
           <a:p>
             <a:fld id="{4DDB5538-DA78-4C2C-BF6B-9485BBAF1D80}" type="datetimeFigureOut">
               <a:rPr lang="en-US" smtClean="0"/>
-              <a:t>11/2/2021</a:t>
+              <a:t>11/8/2021</a:t>
             </a:fld>
             <a:endParaRPr lang="en-US"/>
           </a:p>
@@ -6936,7 +6936,7 @@
           <a:p>
             <a:fld id="{4DDB5538-DA78-4C2C-BF6B-9485BBAF1D80}" type="datetimeFigureOut">
               <a:rPr lang="en-US" smtClean="0"/>
-              <a:t>11/2/2021</a:t>
+              <a:t>11/8/2021</a:t>
             </a:fld>
             <a:endParaRPr lang="en-US"/>
           </a:p>
@@ -7322,7 +7322,7 @@
           <a:p>
             <a:fld id="{4DDB5538-DA78-4C2C-BF6B-9485BBAF1D80}" type="datetimeFigureOut">
               <a:rPr lang="en-US" smtClean="0"/>
-              <a:t>11/2/2021</a:t>
+              <a:t>11/8/2021</a:t>
             </a:fld>
             <a:endParaRPr lang="en-US"/>
           </a:p>
@@ -7582,7 +7582,7 @@
           <a:p>
             <a:fld id="{4DDB5538-DA78-4C2C-BF6B-9485BBAF1D80}" type="datetimeFigureOut">
               <a:rPr lang="en-US" smtClean="0"/>
-              <a:t>11/2/2021</a:t>
+              <a:t>11/8/2021</a:t>
             </a:fld>
             <a:endParaRPr lang="en-US"/>
           </a:p>
@@ -12562,39 +12562,6 @@
       </p:grpSpPr>
       <p:sp>
         <p:nvSpPr>
-          <p:cNvPr id="2" name="Title 1">
-            <a:extLst>
-              <a:ext uri="{FF2B5EF4-FFF2-40B4-BE49-F238E27FC236}">
-                <a16:creationId xmlns:a16="http://schemas.microsoft.com/office/drawing/2014/main" id="{D4FB387A-9B0D-46E0-8B44-4DB9E61D2743}"/>
-              </a:ext>
-            </a:extLst>
-          </p:cNvPr>
-          <p:cNvSpPr>
-            <a:spLocks noGrp="1"/>
-          </p:cNvSpPr>
-          <p:nvPr>
-            <p:ph type="title"/>
-          </p:nvPr>
-        </p:nvSpPr>
-        <p:spPr>
-          <a:xfrm>
-            <a:off x="478369" y="144001"/>
-            <a:ext cx="9169401" cy="555840"/>
-          </a:xfrm>
-        </p:spPr>
-        <p:txBody>
-          <a:bodyPr/>
-          <a:lstStyle/>
-          <a:p>
-            <a:r>
-              <a:rPr lang="en-US" dirty="0"/>
-              <a:t>Road Map (2/2) Topics of Lectures</a:t>
-            </a:r>
-          </a:p>
-        </p:txBody>
-      </p:sp>
-      <p:sp>
-        <p:nvSpPr>
           <p:cNvPr id="6" name="Rectangle 5">
             <a:extLst>
               <a:ext uri="{FF2B5EF4-FFF2-40B4-BE49-F238E27FC236}">
@@ -12607,7 +12574,7 @@
         </p:nvSpPr>
         <p:spPr bwMode="gray">
           <a:xfrm>
-            <a:off x="116550" y="909131"/>
+            <a:off x="100920" y="846212"/>
             <a:ext cx="12075450" cy="798949"/>
           </a:xfrm>
           <a:prstGeom prst="rect">
@@ -12665,181 +12632,6 @@
       </p:sp>
       <p:sp>
         <p:nvSpPr>
-          <p:cNvPr id="19" name="TextBox 18">
-            <a:extLst>
-              <a:ext uri="{FF2B5EF4-FFF2-40B4-BE49-F238E27FC236}">
-                <a16:creationId xmlns:a16="http://schemas.microsoft.com/office/drawing/2014/main" id="{B532401A-49B6-4950-A4BC-A253D9A84CD8}"/>
-              </a:ext>
-            </a:extLst>
-          </p:cNvPr>
-          <p:cNvSpPr txBox="1"/>
-          <p:nvPr/>
-        </p:nvSpPr>
-        <p:spPr bwMode="gray">
-          <a:xfrm>
-            <a:off x="116550" y="906114"/>
-            <a:ext cx="6565604" cy="5582554"/>
-          </a:xfrm>
-          <a:prstGeom prst="rect">
-            <a:avLst/>
-          </a:prstGeom>
-          <a:noFill/>
-        </p:spPr>
-        <p:txBody>
-          <a:bodyPr wrap="square">
-            <a:spAutoFit/>
-          </a:bodyPr>
-          <a:lstStyle/>
-          <a:p>
-            <a:pPr marL="342900" indent="-342900">
-              <a:lnSpc>
-                <a:spcPct val="150000"/>
-              </a:lnSpc>
-              <a:buFont typeface="+mj-lt"/>
-              <a:buAutoNum type="arabicPeriod"/>
-            </a:pPr>
-            <a:r>
-              <a:rPr lang="en-US" sz="1600" i="0" dirty="0">
-                <a:solidFill>
-                  <a:srgbClr val="222222"/>
-                </a:solidFill>
-                <a:effectLst/>
-                <a:latin typeface="+mj-lt"/>
-              </a:rPr>
-              <a:t>Intro and Course Organization</a:t>
-            </a:r>
-          </a:p>
-          <a:p>
-            <a:pPr marL="342900" indent="-342900">
-              <a:lnSpc>
-                <a:spcPct val="150000"/>
-              </a:lnSpc>
-              <a:buFont typeface="+mj-lt"/>
-              <a:buAutoNum type="arabicPeriod"/>
-            </a:pPr>
-            <a:r>
-              <a:rPr lang="en-US" sz="1600" i="0" dirty="0">
-                <a:solidFill>
-                  <a:srgbClr val="222222"/>
-                </a:solidFill>
-                <a:effectLst/>
-                <a:latin typeface="+mj-lt"/>
-              </a:rPr>
-              <a:t>Responsible AI (Fairness, Explainability, Trustworthiness)</a:t>
-            </a:r>
-          </a:p>
-          <a:p>
-            <a:pPr marL="342900" indent="-342900">
-              <a:lnSpc>
-                <a:spcPct val="150000"/>
-              </a:lnSpc>
-              <a:buFont typeface="+mj-lt"/>
-              <a:buAutoNum type="arabicPeriod"/>
-            </a:pPr>
-            <a:r>
-              <a:rPr lang="en-US" sz="1600" dirty="0">
-                <a:solidFill>
-                  <a:srgbClr val="222222"/>
-                </a:solidFill>
-                <a:latin typeface="+mj-lt"/>
-              </a:rPr>
-              <a:t>Ethics Foundations (Normative Ethics and Normative Argumentation, Ethical Questions in the Design of Technology and their Risks)</a:t>
-            </a:r>
-          </a:p>
-          <a:p>
-            <a:pPr marL="342900" indent="-342900">
-              <a:lnSpc>
-                <a:spcPct val="150000"/>
-              </a:lnSpc>
-              <a:buFont typeface="+mj-lt"/>
-              <a:buAutoNum type="arabicPeriod"/>
-            </a:pPr>
-            <a:r>
-              <a:rPr lang="en-US" sz="1600" dirty="0">
-                <a:solidFill>
-                  <a:srgbClr val="222222"/>
-                </a:solidFill>
-                <a:latin typeface="+mj-lt"/>
-              </a:rPr>
-              <a:t>Regulations and Governance (IEEE Ethically Aligned Design, EU regulation, Governance)</a:t>
-            </a:r>
-          </a:p>
-          <a:p>
-            <a:pPr marL="342900" indent="-342900">
-              <a:lnSpc>
-                <a:spcPct val="150000"/>
-              </a:lnSpc>
-              <a:buFont typeface="+mj-lt"/>
-              <a:buAutoNum type="arabicPeriod"/>
-            </a:pPr>
-            <a:r>
-              <a:rPr lang="en-US" sz="1600" dirty="0">
-                <a:solidFill>
-                  <a:srgbClr val="222222"/>
-                </a:solidFill>
-                <a:latin typeface="+mj-lt"/>
-              </a:rPr>
-              <a:t>Experimental Methods for Ethical AI (Simulators, Experimental philosophy)</a:t>
-            </a:r>
-          </a:p>
-          <a:p>
-            <a:pPr marL="342900" indent="-342900">
-              <a:lnSpc>
-                <a:spcPct val="150000"/>
-              </a:lnSpc>
-              <a:buFont typeface="+mj-lt"/>
-              <a:buAutoNum type="arabicPeriod"/>
-            </a:pPr>
-            <a:r>
-              <a:rPr lang="en-US" sz="1600" dirty="0">
-                <a:solidFill>
-                  <a:srgbClr val="222222"/>
-                </a:solidFill>
-                <a:latin typeface="+mj-lt"/>
-              </a:rPr>
-              <a:t>Requirements Engineering for Ethical AI (feature engineering, specification for fairness, human-in-the-loop)</a:t>
-            </a:r>
-          </a:p>
-          <a:p>
-            <a:pPr marL="342900" indent="-342900">
-              <a:lnSpc>
-                <a:spcPct val="150000"/>
-              </a:lnSpc>
-              <a:buFont typeface="+mj-lt"/>
-              <a:buAutoNum type="arabicPeriod"/>
-            </a:pPr>
-            <a:r>
-              <a:rPr lang="en-US" sz="1600" dirty="0">
-                <a:solidFill>
-                  <a:srgbClr val="222222"/>
-                </a:solidFill>
-                <a:latin typeface="+mj-lt"/>
-              </a:rPr>
-              <a:t>Validation &amp; Verification Ethical AI (testing, algorithm recourse, model comparison, risks, AI Alignment)</a:t>
-            </a:r>
-          </a:p>
-          <a:p>
-            <a:pPr marL="342900" indent="-342900">
-              <a:lnSpc>
-                <a:spcPct val="150000"/>
-              </a:lnSpc>
-              <a:buFont typeface="+mj-lt"/>
-              <a:buAutoNum type="arabicPeriod"/>
-            </a:pPr>
-            <a:r>
-              <a:rPr lang="en-US" sz="1600" dirty="0">
-                <a:solidFill>
-                  <a:srgbClr val="222222"/>
-                </a:solidFill>
-                <a:latin typeface="+mj-lt"/>
-              </a:rPr>
-              <a:t>Implementing Ethical AI (logic programming, argumentative methods, safety methods)</a:t>
-            </a:r>
-          </a:p>
-        </p:txBody>
-      </p:sp>
-      <p:sp>
-        <p:nvSpPr>
           <p:cNvPr id="24" name="Rectangle 23">
             <a:extLst>
               <a:ext uri="{FF2B5EF4-FFF2-40B4-BE49-F238E27FC236}">
@@ -12852,8 +12644,8 @@
         </p:nvSpPr>
         <p:spPr bwMode="gray">
           <a:xfrm>
-            <a:off x="116550" y="1760855"/>
-            <a:ext cx="12075450" cy="1796149"/>
+            <a:off x="93105" y="1708080"/>
+            <a:ext cx="12075450" cy="1406641"/>
           </a:xfrm>
           <a:prstGeom prst="rect">
             <a:avLst/>
@@ -12912,10 +12704,10 @@
       </p:sp>
       <p:sp>
         <p:nvSpPr>
-          <p:cNvPr id="25" name="Rectangle 24">
+          <p:cNvPr id="26" name="Rectangle 25">
             <a:extLst>
               <a:ext uri="{FF2B5EF4-FFF2-40B4-BE49-F238E27FC236}">
-                <a16:creationId xmlns:a16="http://schemas.microsoft.com/office/drawing/2014/main" id="{0C0114A6-D2F2-4E2F-B3B4-2BBD6DC5357F}"/>
+                <a16:creationId xmlns:a16="http://schemas.microsoft.com/office/drawing/2014/main" id="{5098B956-4C8A-444C-BBE6-02565B914777}"/>
               </a:ext>
             </a:extLst>
           </p:cNvPr>
@@ -12924,17 +12716,16 @@
         </p:nvSpPr>
         <p:spPr bwMode="gray">
           <a:xfrm>
-            <a:off x="116550" y="3609779"/>
+            <a:off x="93780" y="4645814"/>
             <a:ext cx="12075450" cy="1365974"/>
           </a:xfrm>
           <a:prstGeom prst="rect">
             <a:avLst/>
           </a:prstGeom>
           <a:solidFill>
-            <a:schemeClr val="accent4">
-              <a:lumMod val="75000"/>
+            <a:srgbClr val="00B050">
               <a:alpha val="9020"/>
-            </a:schemeClr>
+            </a:srgbClr>
           </a:solidFill>
           <a:ln>
             <a:noFill/>
@@ -12983,10 +12774,218 @@
       </p:sp>
       <p:sp>
         <p:nvSpPr>
-          <p:cNvPr id="26" name="Rectangle 25">
+          <p:cNvPr id="2" name="Title 1">
             <a:extLst>
               <a:ext uri="{FF2B5EF4-FFF2-40B4-BE49-F238E27FC236}">
-                <a16:creationId xmlns:a16="http://schemas.microsoft.com/office/drawing/2014/main" id="{5098B956-4C8A-444C-BBE6-02565B914777}"/>
+                <a16:creationId xmlns:a16="http://schemas.microsoft.com/office/drawing/2014/main" id="{D4FB387A-9B0D-46E0-8B44-4DB9E61D2743}"/>
+              </a:ext>
+            </a:extLst>
+          </p:cNvPr>
+          <p:cNvSpPr>
+            <a:spLocks noGrp="1"/>
+          </p:cNvSpPr>
+          <p:nvPr>
+            <p:ph type="title"/>
+          </p:nvPr>
+        </p:nvSpPr>
+        <p:spPr>
+          <a:xfrm>
+            <a:off x="478369" y="144001"/>
+            <a:ext cx="9169401" cy="555840"/>
+          </a:xfrm>
+        </p:spPr>
+        <p:txBody>
+          <a:bodyPr/>
+          <a:lstStyle/>
+          <a:p>
+            <a:r>
+              <a:rPr lang="en-US" dirty="0"/>
+              <a:t>Road Map (2/2) Topics of Lectures</a:t>
+            </a:r>
+          </a:p>
+        </p:txBody>
+      </p:sp>
+      <p:sp>
+        <p:nvSpPr>
+          <p:cNvPr id="19" name="TextBox 18">
+            <a:extLst>
+              <a:ext uri="{FF2B5EF4-FFF2-40B4-BE49-F238E27FC236}">
+                <a16:creationId xmlns:a16="http://schemas.microsoft.com/office/drawing/2014/main" id="{B532401A-49B6-4950-A4BC-A253D9A84CD8}"/>
+              </a:ext>
+            </a:extLst>
+          </p:cNvPr>
+          <p:cNvSpPr txBox="1"/>
+          <p:nvPr/>
+        </p:nvSpPr>
+        <p:spPr bwMode="gray">
+          <a:xfrm>
+            <a:off x="116550" y="906114"/>
+            <a:ext cx="6565604" cy="5213222"/>
+          </a:xfrm>
+          <a:prstGeom prst="rect">
+            <a:avLst/>
+          </a:prstGeom>
+          <a:noFill/>
+        </p:spPr>
+        <p:txBody>
+          <a:bodyPr wrap="square">
+            <a:spAutoFit/>
+          </a:bodyPr>
+          <a:lstStyle/>
+          <a:p>
+            <a:pPr marL="342900" indent="-342900">
+              <a:lnSpc>
+                <a:spcPct val="150000"/>
+              </a:lnSpc>
+              <a:buFont typeface="+mj-lt"/>
+              <a:buAutoNum type="arabicPeriod"/>
+            </a:pPr>
+            <a:r>
+              <a:rPr lang="en-US" sz="1600" i="0" dirty="0">
+                <a:solidFill>
+                  <a:srgbClr val="222222"/>
+                </a:solidFill>
+                <a:effectLst/>
+                <a:latin typeface="+mj-lt"/>
+              </a:rPr>
+              <a:t>Intro and Course Organization</a:t>
+            </a:r>
+          </a:p>
+          <a:p>
+            <a:pPr marL="342900" indent="-342900">
+              <a:lnSpc>
+                <a:spcPct val="150000"/>
+              </a:lnSpc>
+              <a:buFont typeface="+mj-lt"/>
+              <a:buAutoNum type="arabicPeriod"/>
+            </a:pPr>
+            <a:r>
+              <a:rPr lang="en-US" sz="1600" i="0" dirty="0">
+                <a:solidFill>
+                  <a:srgbClr val="222222"/>
+                </a:solidFill>
+                <a:effectLst/>
+                <a:latin typeface="+mj-lt"/>
+              </a:rPr>
+              <a:t>Responsible AI (Fairness, Explainability, Trustworthiness)</a:t>
+            </a:r>
+          </a:p>
+          <a:p>
+            <a:pPr marL="342900" indent="-342900">
+              <a:lnSpc>
+                <a:spcPct val="150000"/>
+              </a:lnSpc>
+              <a:buFont typeface="+mj-lt"/>
+              <a:buAutoNum type="arabicPeriod"/>
+            </a:pPr>
+            <a:r>
+              <a:rPr lang="en-US" sz="1600" dirty="0">
+                <a:solidFill>
+                  <a:srgbClr val="222222"/>
+                </a:solidFill>
+                <a:latin typeface="+mj-lt"/>
+              </a:rPr>
+              <a:t>Regulations and Governance (IEEE Ethically Aligned Design, EU regulation, Governance)</a:t>
+            </a:r>
+          </a:p>
+          <a:p>
+            <a:pPr marL="342900" indent="-342900">
+              <a:lnSpc>
+                <a:spcPct val="150000"/>
+              </a:lnSpc>
+              <a:buFont typeface="+mj-lt"/>
+              <a:buAutoNum type="arabicPeriod"/>
+            </a:pPr>
+            <a:r>
+              <a:rPr lang="en-US" sz="1600" dirty="0">
+                <a:solidFill>
+                  <a:srgbClr val="222222"/>
+                </a:solidFill>
+                <a:latin typeface="+mj-lt"/>
+              </a:rPr>
+              <a:t>Ethics Foundations (Normative Ethics, Ethical Questions in the Design of Technology and their Risks)</a:t>
+            </a:r>
+          </a:p>
+          <a:p>
+            <a:pPr marL="342900" indent="-342900">
+              <a:lnSpc>
+                <a:spcPct val="150000"/>
+              </a:lnSpc>
+              <a:buFont typeface="+mj-lt"/>
+              <a:buAutoNum type="arabicPeriod"/>
+            </a:pPr>
+            <a:r>
+              <a:rPr lang="en-US" sz="1600" dirty="0">
+                <a:solidFill>
+                  <a:srgbClr val="222222"/>
+                </a:solidFill>
+                <a:latin typeface="+mj-lt"/>
+              </a:rPr>
+              <a:t>Experimental Methods for Ethical AI (Simulators, Experimental philosophy)</a:t>
+            </a:r>
+          </a:p>
+          <a:p>
+            <a:pPr marL="342900" indent="-342900">
+              <a:lnSpc>
+                <a:spcPct val="150000"/>
+              </a:lnSpc>
+              <a:buFont typeface="+mj-lt"/>
+              <a:buAutoNum type="arabicPeriod"/>
+            </a:pPr>
+            <a:r>
+              <a:rPr lang="en-US" sz="1600" dirty="0">
+                <a:solidFill>
+                  <a:srgbClr val="222222"/>
+                </a:solidFill>
+                <a:latin typeface="+mj-lt"/>
+              </a:rPr>
+              <a:t>Requirements Engineering for Ethical AI (feature engineering, specification for fairness, human-in-the-loop)</a:t>
+            </a:r>
+          </a:p>
+          <a:p>
+            <a:pPr marL="342900" indent="-342900">
+              <a:lnSpc>
+                <a:spcPct val="150000"/>
+              </a:lnSpc>
+              <a:buFont typeface="+mj-lt"/>
+              <a:buAutoNum type="arabicPeriod"/>
+            </a:pPr>
+            <a:r>
+              <a:rPr lang="en-US" sz="1600" dirty="0">
+                <a:solidFill>
+                  <a:srgbClr val="222222"/>
+                </a:solidFill>
+                <a:latin typeface="+mj-lt"/>
+              </a:rPr>
+              <a:t>Validation &amp; Verification Ethical AI (testing, algorithm recourse, model comparison, risks, AI Alignment)</a:t>
+            </a:r>
+          </a:p>
+          <a:p>
+            <a:pPr marL="342900" indent="-342900">
+              <a:lnSpc>
+                <a:spcPct val="150000"/>
+              </a:lnSpc>
+              <a:buFont typeface="+mj-lt"/>
+              <a:buAutoNum type="arabicPeriod"/>
+            </a:pPr>
+            <a:r>
+              <a:rPr lang="en-US" sz="1600" dirty="0">
+                <a:solidFill>
+                  <a:srgbClr val="222222"/>
+                </a:solidFill>
+                <a:latin typeface="+mj-lt"/>
+              </a:rPr>
+              <a:t>Implementing Ethical AI (logic programming, argumentative methods, safety methods)</a:t>
+            </a:r>
+          </a:p>
+        </p:txBody>
+      </p:sp>
+      <p:sp>
+        <p:nvSpPr>
+          <p:cNvPr id="25" name="Rectangle 24">
+            <a:extLst>
+              <a:ext uri="{FF2B5EF4-FFF2-40B4-BE49-F238E27FC236}">
+                <a16:creationId xmlns:a16="http://schemas.microsoft.com/office/drawing/2014/main" id="{0C0114A6-D2F2-4E2F-B3B4-2BBD6DC5357F}"/>
               </a:ext>
             </a:extLst>
           </p:cNvPr>
@@ -12995,16 +12994,17 @@
         </p:nvSpPr>
         <p:spPr bwMode="gray">
           <a:xfrm>
-            <a:off x="116550" y="5028527"/>
-            <a:ext cx="12075450" cy="1365974"/>
+            <a:off x="93780" y="3174622"/>
+            <a:ext cx="12075450" cy="1406641"/>
           </a:xfrm>
           <a:prstGeom prst="rect">
             <a:avLst/>
           </a:prstGeom>
           <a:solidFill>
-            <a:srgbClr val="00B050">
+            <a:schemeClr val="accent4">
+              <a:lumMod val="75000"/>
               <a:alpha val="9020"/>
-            </a:srgbClr>
+            </a:schemeClr>
           </a:solidFill>
           <a:ln>
             <a:noFill/>
